--- a/ppt 16-9/0396.只要信他.pptx
+++ b/ppt 16-9/0396.只要信他.pptx
@@ -5,7 +5,7 @@
     <p:sldMasterId id="2147483648" r:id="rId1"/>
   </p:sldMasterIdLst>
   <p:sldIdLst>
-    <p:sldId id="3321" r:id="rId2"/>
+    <p:sldId id="3322" r:id="rId2"/>
   </p:sldIdLst>
   <p:sldSz cx="12192000" cy="6858000"/>
   <p:notesSz cx="6858000" cy="9144000"/>
@@ -129,7 +129,7 @@
           <p:cNvPr id="2" name="标题 1">
             <a:extLst>
               <a:ext uri="{FF2B5EF4-FFF2-40B4-BE49-F238E27FC236}">
-                <a16:creationId xmlns:a16="http://schemas.microsoft.com/office/drawing/2014/main" id="{3115AB61-8B22-F593-D21F-3A83007C7A69}"/>
+                <a16:creationId xmlns:a16="http://schemas.microsoft.com/office/drawing/2014/main" id="{BD44AE21-489C-24AC-E5A4-F667289E2B13}"/>
               </a:ext>
             </a:extLst>
           </p:cNvPr>
@@ -166,7 +166,7 @@
           <p:cNvPr id="3" name="副标题 2">
             <a:extLst>
               <a:ext uri="{FF2B5EF4-FFF2-40B4-BE49-F238E27FC236}">
-                <a16:creationId xmlns:a16="http://schemas.microsoft.com/office/drawing/2014/main" id="{619BF133-2450-CA23-5EBE-13C3E24FE161}"/>
+                <a16:creationId xmlns:a16="http://schemas.microsoft.com/office/drawing/2014/main" id="{606FAA78-4FC3-0755-3072-67D8242E389B}"/>
               </a:ext>
             </a:extLst>
           </p:cNvPr>
@@ -236,7 +236,7 @@
           <p:cNvPr id="4" name="日期占位符 3">
             <a:extLst>
               <a:ext uri="{FF2B5EF4-FFF2-40B4-BE49-F238E27FC236}">
-                <a16:creationId xmlns:a16="http://schemas.microsoft.com/office/drawing/2014/main" id="{E3D752CA-25EA-F35B-FC9C-622D331EED53}"/>
+                <a16:creationId xmlns:a16="http://schemas.microsoft.com/office/drawing/2014/main" id="{4D21FAC3-ACDA-B237-AA92-02321BFF12D8}"/>
               </a:ext>
             </a:extLst>
           </p:cNvPr>
@@ -252,7 +252,7 @@
           <a:bodyPr/>
           <a:lstStyle/>
           <a:p>
-            <a:fld id="{56FE3257-9725-458F-9F61-63294AC2B464}" type="datetimeFigureOut">
+            <a:fld id="{D115DD9F-3EA5-496A-B0DE-E508F7E9AF34}" type="datetimeFigureOut">
               <a:rPr lang="zh-CN" altLang="en-US" smtClean="0"/>
               <a:t>2024/3/10</a:t>
             </a:fld>
@@ -265,7 +265,7 @@
           <p:cNvPr id="5" name="页脚占位符 4">
             <a:extLst>
               <a:ext uri="{FF2B5EF4-FFF2-40B4-BE49-F238E27FC236}">
-                <a16:creationId xmlns:a16="http://schemas.microsoft.com/office/drawing/2014/main" id="{40F60D7A-D67F-AB0B-3EC4-B723CA79B46C}"/>
+                <a16:creationId xmlns:a16="http://schemas.microsoft.com/office/drawing/2014/main" id="{D4DFA955-0DA9-1233-3E2A-482F36AA2238}"/>
               </a:ext>
             </a:extLst>
           </p:cNvPr>
@@ -290,7 +290,7 @@
           <p:cNvPr id="6" name="灯片编号占位符 5">
             <a:extLst>
               <a:ext uri="{FF2B5EF4-FFF2-40B4-BE49-F238E27FC236}">
-                <a16:creationId xmlns:a16="http://schemas.microsoft.com/office/drawing/2014/main" id="{2EFE90DA-D94E-DE65-F64E-9B81C9179D44}"/>
+                <a16:creationId xmlns:a16="http://schemas.microsoft.com/office/drawing/2014/main" id="{C51AA63A-6C68-9B7A-B3A2-E2A12CD6FF05}"/>
               </a:ext>
             </a:extLst>
           </p:cNvPr>
@@ -306,7 +306,7 @@
           <a:bodyPr/>
           <a:lstStyle/>
           <a:p>
-            <a:fld id="{9132A416-BE46-4702-A909-6F4E2E5F9F72}" type="slidenum">
+            <a:fld id="{F81B583B-9787-4763-A9D0-CC5B3C7B3CFF}" type="slidenum">
               <a:rPr lang="zh-CN" altLang="en-US" smtClean="0"/>
               <a:t>‹#›</a:t>
             </a:fld>
@@ -317,7 +317,7 @@
     </p:spTree>
     <p:extLst>
       <p:ext uri="{BB962C8B-B14F-4D97-AF65-F5344CB8AC3E}">
-        <p14:creationId xmlns:p14="http://schemas.microsoft.com/office/powerpoint/2010/main" val="2188294945"/>
+        <p14:creationId xmlns:p14="http://schemas.microsoft.com/office/powerpoint/2010/main" val="1257081698"/>
       </p:ext>
     </p:extLst>
   </p:cSld>
@@ -349,7 +349,7 @@
           <p:cNvPr id="2" name="标题 1">
             <a:extLst>
               <a:ext uri="{FF2B5EF4-FFF2-40B4-BE49-F238E27FC236}">
-                <a16:creationId xmlns:a16="http://schemas.microsoft.com/office/drawing/2014/main" id="{A4DCE0AF-C21F-7B54-1744-8C1C7F135F39}"/>
+                <a16:creationId xmlns:a16="http://schemas.microsoft.com/office/drawing/2014/main" id="{83356358-6D08-8DB8-2F26-E64FCC2AC6DA}"/>
               </a:ext>
             </a:extLst>
           </p:cNvPr>
@@ -377,7 +377,7 @@
           <p:cNvPr id="3" name="竖排文字占位符 2">
             <a:extLst>
               <a:ext uri="{FF2B5EF4-FFF2-40B4-BE49-F238E27FC236}">
-                <a16:creationId xmlns:a16="http://schemas.microsoft.com/office/drawing/2014/main" id="{F62DEED2-AA02-D427-A081-048E3CA58D5D}"/>
+                <a16:creationId xmlns:a16="http://schemas.microsoft.com/office/drawing/2014/main" id="{92CDD847-2300-9E54-41E4-E5CA711853C2}"/>
               </a:ext>
             </a:extLst>
           </p:cNvPr>
@@ -434,7 +434,7 @@
           <p:cNvPr id="4" name="日期占位符 3">
             <a:extLst>
               <a:ext uri="{FF2B5EF4-FFF2-40B4-BE49-F238E27FC236}">
-                <a16:creationId xmlns:a16="http://schemas.microsoft.com/office/drawing/2014/main" id="{BBD051F9-CD16-6448-AA3D-03291FE33E5F}"/>
+                <a16:creationId xmlns:a16="http://schemas.microsoft.com/office/drawing/2014/main" id="{CD1EC62C-60BB-1806-D3FF-89D5A5829797}"/>
               </a:ext>
             </a:extLst>
           </p:cNvPr>
@@ -450,7 +450,7 @@
           <a:bodyPr/>
           <a:lstStyle/>
           <a:p>
-            <a:fld id="{56FE3257-9725-458F-9F61-63294AC2B464}" type="datetimeFigureOut">
+            <a:fld id="{D115DD9F-3EA5-496A-B0DE-E508F7E9AF34}" type="datetimeFigureOut">
               <a:rPr lang="zh-CN" altLang="en-US" smtClean="0"/>
               <a:t>2024/3/10</a:t>
             </a:fld>
@@ -463,7 +463,7 @@
           <p:cNvPr id="5" name="页脚占位符 4">
             <a:extLst>
               <a:ext uri="{FF2B5EF4-FFF2-40B4-BE49-F238E27FC236}">
-                <a16:creationId xmlns:a16="http://schemas.microsoft.com/office/drawing/2014/main" id="{7518947E-70F3-0179-22BA-60423959DFC5}"/>
+                <a16:creationId xmlns:a16="http://schemas.microsoft.com/office/drawing/2014/main" id="{DCDEDA00-22C2-30B6-67C1-0DF2A58C2C18}"/>
               </a:ext>
             </a:extLst>
           </p:cNvPr>
@@ -488,7 +488,7 @@
           <p:cNvPr id="6" name="灯片编号占位符 5">
             <a:extLst>
               <a:ext uri="{FF2B5EF4-FFF2-40B4-BE49-F238E27FC236}">
-                <a16:creationId xmlns:a16="http://schemas.microsoft.com/office/drawing/2014/main" id="{93C1C6B4-6435-10DB-6222-A8FA7B508C0E}"/>
+                <a16:creationId xmlns:a16="http://schemas.microsoft.com/office/drawing/2014/main" id="{43ACECDC-DD9B-9820-3020-15C28F4AADCB}"/>
               </a:ext>
             </a:extLst>
           </p:cNvPr>
@@ -504,7 +504,7 @@
           <a:bodyPr/>
           <a:lstStyle/>
           <a:p>
-            <a:fld id="{9132A416-BE46-4702-A909-6F4E2E5F9F72}" type="slidenum">
+            <a:fld id="{F81B583B-9787-4763-A9D0-CC5B3C7B3CFF}" type="slidenum">
               <a:rPr lang="zh-CN" altLang="en-US" smtClean="0"/>
               <a:t>‹#›</a:t>
             </a:fld>
@@ -515,7 +515,7 @@
     </p:spTree>
     <p:extLst>
       <p:ext uri="{BB962C8B-B14F-4D97-AF65-F5344CB8AC3E}">
-        <p14:creationId xmlns:p14="http://schemas.microsoft.com/office/powerpoint/2010/main" val="3001896064"/>
+        <p14:creationId xmlns:p14="http://schemas.microsoft.com/office/powerpoint/2010/main" val="2520063369"/>
       </p:ext>
     </p:extLst>
   </p:cSld>
@@ -547,7 +547,7 @@
           <p:cNvPr id="2" name="竖排标题 1">
             <a:extLst>
               <a:ext uri="{FF2B5EF4-FFF2-40B4-BE49-F238E27FC236}">
-                <a16:creationId xmlns:a16="http://schemas.microsoft.com/office/drawing/2014/main" id="{179E03D2-6229-ADE2-928D-E57FE44856B1}"/>
+                <a16:creationId xmlns:a16="http://schemas.microsoft.com/office/drawing/2014/main" id="{F52C703B-2F67-6365-BF07-0A201592DCBF}"/>
               </a:ext>
             </a:extLst>
           </p:cNvPr>
@@ -580,7 +580,7 @@
           <p:cNvPr id="3" name="竖排文字占位符 2">
             <a:extLst>
               <a:ext uri="{FF2B5EF4-FFF2-40B4-BE49-F238E27FC236}">
-                <a16:creationId xmlns:a16="http://schemas.microsoft.com/office/drawing/2014/main" id="{6D270564-3123-BB54-3C3C-EE947E8C53CF}"/>
+                <a16:creationId xmlns:a16="http://schemas.microsoft.com/office/drawing/2014/main" id="{C2D84F17-6D19-9CC3-28C0-7F02AFBE2F2A}"/>
               </a:ext>
             </a:extLst>
           </p:cNvPr>
@@ -642,7 +642,7 @@
           <p:cNvPr id="4" name="日期占位符 3">
             <a:extLst>
               <a:ext uri="{FF2B5EF4-FFF2-40B4-BE49-F238E27FC236}">
-                <a16:creationId xmlns:a16="http://schemas.microsoft.com/office/drawing/2014/main" id="{E8094551-9E9E-851E-C89E-6FCC40BE1BAB}"/>
+                <a16:creationId xmlns:a16="http://schemas.microsoft.com/office/drawing/2014/main" id="{CEAF092D-B887-D975-BA56-EE6D3849701A}"/>
               </a:ext>
             </a:extLst>
           </p:cNvPr>
@@ -658,7 +658,7 @@
           <a:bodyPr/>
           <a:lstStyle/>
           <a:p>
-            <a:fld id="{56FE3257-9725-458F-9F61-63294AC2B464}" type="datetimeFigureOut">
+            <a:fld id="{D115DD9F-3EA5-496A-B0DE-E508F7E9AF34}" type="datetimeFigureOut">
               <a:rPr lang="zh-CN" altLang="en-US" smtClean="0"/>
               <a:t>2024/3/10</a:t>
             </a:fld>
@@ -671,7 +671,7 @@
           <p:cNvPr id="5" name="页脚占位符 4">
             <a:extLst>
               <a:ext uri="{FF2B5EF4-FFF2-40B4-BE49-F238E27FC236}">
-                <a16:creationId xmlns:a16="http://schemas.microsoft.com/office/drawing/2014/main" id="{6AF69F92-8297-995A-E40B-8A05A47756DB}"/>
+                <a16:creationId xmlns:a16="http://schemas.microsoft.com/office/drawing/2014/main" id="{6ED4F0D1-151E-EF7D-3FE6-6F9D19E91B28}"/>
               </a:ext>
             </a:extLst>
           </p:cNvPr>
@@ -696,7 +696,7 @@
           <p:cNvPr id="6" name="灯片编号占位符 5">
             <a:extLst>
               <a:ext uri="{FF2B5EF4-FFF2-40B4-BE49-F238E27FC236}">
-                <a16:creationId xmlns:a16="http://schemas.microsoft.com/office/drawing/2014/main" id="{43899316-42BC-998C-6872-16870BBAD0D9}"/>
+                <a16:creationId xmlns:a16="http://schemas.microsoft.com/office/drawing/2014/main" id="{88AFBA16-8AB4-08AC-CD2A-013C584D03C4}"/>
               </a:ext>
             </a:extLst>
           </p:cNvPr>
@@ -712,7 +712,7 @@
           <a:bodyPr/>
           <a:lstStyle/>
           <a:p>
-            <a:fld id="{9132A416-BE46-4702-A909-6F4E2E5F9F72}" type="slidenum">
+            <a:fld id="{F81B583B-9787-4763-A9D0-CC5B3C7B3CFF}" type="slidenum">
               <a:rPr lang="zh-CN" altLang="en-US" smtClean="0"/>
               <a:t>‹#›</a:t>
             </a:fld>
@@ -723,7 +723,7 @@
     </p:spTree>
     <p:extLst>
       <p:ext uri="{BB962C8B-B14F-4D97-AF65-F5344CB8AC3E}">
-        <p14:creationId xmlns:p14="http://schemas.microsoft.com/office/powerpoint/2010/main" val="3654363969"/>
+        <p14:creationId xmlns:p14="http://schemas.microsoft.com/office/powerpoint/2010/main" val="4110100630"/>
       </p:ext>
     </p:extLst>
   </p:cSld>
@@ -755,7 +755,7 @@
           <p:cNvPr id="2" name="标题 1">
             <a:extLst>
               <a:ext uri="{FF2B5EF4-FFF2-40B4-BE49-F238E27FC236}">
-                <a16:creationId xmlns:a16="http://schemas.microsoft.com/office/drawing/2014/main" id="{444E01B2-BB2C-16B3-F454-29A797C425D0}"/>
+                <a16:creationId xmlns:a16="http://schemas.microsoft.com/office/drawing/2014/main" id="{1663CCB7-FE2F-C6F3-657A-BD22805CC6E8}"/>
               </a:ext>
             </a:extLst>
           </p:cNvPr>
@@ -783,7 +783,7 @@
           <p:cNvPr id="3" name="内容占位符 2">
             <a:extLst>
               <a:ext uri="{FF2B5EF4-FFF2-40B4-BE49-F238E27FC236}">
-                <a16:creationId xmlns:a16="http://schemas.microsoft.com/office/drawing/2014/main" id="{F7047C6B-89DD-B03B-1541-DC27E95E0968}"/>
+                <a16:creationId xmlns:a16="http://schemas.microsoft.com/office/drawing/2014/main" id="{778921FE-8D58-240B-326E-70434AEEB6D8}"/>
               </a:ext>
             </a:extLst>
           </p:cNvPr>
@@ -840,7 +840,7 @@
           <p:cNvPr id="4" name="日期占位符 3">
             <a:extLst>
               <a:ext uri="{FF2B5EF4-FFF2-40B4-BE49-F238E27FC236}">
-                <a16:creationId xmlns:a16="http://schemas.microsoft.com/office/drawing/2014/main" id="{F2507C72-26BD-2823-2D09-D8A2625C5086}"/>
+                <a16:creationId xmlns:a16="http://schemas.microsoft.com/office/drawing/2014/main" id="{4C93C39D-C8FA-38B2-A77E-A288153F7DA3}"/>
               </a:ext>
             </a:extLst>
           </p:cNvPr>
@@ -856,7 +856,7 @@
           <a:bodyPr/>
           <a:lstStyle/>
           <a:p>
-            <a:fld id="{56FE3257-9725-458F-9F61-63294AC2B464}" type="datetimeFigureOut">
+            <a:fld id="{D115DD9F-3EA5-496A-B0DE-E508F7E9AF34}" type="datetimeFigureOut">
               <a:rPr lang="zh-CN" altLang="en-US" smtClean="0"/>
               <a:t>2024/3/10</a:t>
             </a:fld>
@@ -869,7 +869,7 @@
           <p:cNvPr id="5" name="页脚占位符 4">
             <a:extLst>
               <a:ext uri="{FF2B5EF4-FFF2-40B4-BE49-F238E27FC236}">
-                <a16:creationId xmlns:a16="http://schemas.microsoft.com/office/drawing/2014/main" id="{EFD91A35-0110-6F7C-A9E3-D1E720D47C9C}"/>
+                <a16:creationId xmlns:a16="http://schemas.microsoft.com/office/drawing/2014/main" id="{2ECE3B3F-E990-57D8-E238-943E8E61F6B7}"/>
               </a:ext>
             </a:extLst>
           </p:cNvPr>
@@ -894,7 +894,7 @@
           <p:cNvPr id="6" name="灯片编号占位符 5">
             <a:extLst>
               <a:ext uri="{FF2B5EF4-FFF2-40B4-BE49-F238E27FC236}">
-                <a16:creationId xmlns:a16="http://schemas.microsoft.com/office/drawing/2014/main" id="{7A783FBA-3DFA-2CA1-6B79-C6C45722F07D}"/>
+                <a16:creationId xmlns:a16="http://schemas.microsoft.com/office/drawing/2014/main" id="{6DD37759-7D90-D476-8748-B564EBD978D6}"/>
               </a:ext>
             </a:extLst>
           </p:cNvPr>
@@ -910,7 +910,7 @@
           <a:bodyPr/>
           <a:lstStyle/>
           <a:p>
-            <a:fld id="{9132A416-BE46-4702-A909-6F4E2E5F9F72}" type="slidenum">
+            <a:fld id="{F81B583B-9787-4763-A9D0-CC5B3C7B3CFF}" type="slidenum">
               <a:rPr lang="zh-CN" altLang="en-US" smtClean="0"/>
               <a:t>‹#›</a:t>
             </a:fld>
@@ -921,7 +921,7 @@
     </p:spTree>
     <p:extLst>
       <p:ext uri="{BB962C8B-B14F-4D97-AF65-F5344CB8AC3E}">
-        <p14:creationId xmlns:p14="http://schemas.microsoft.com/office/powerpoint/2010/main" val="2173139501"/>
+        <p14:creationId xmlns:p14="http://schemas.microsoft.com/office/powerpoint/2010/main" val="2988189615"/>
       </p:ext>
     </p:extLst>
   </p:cSld>
@@ -953,7 +953,7 @@
           <p:cNvPr id="2" name="标题 1">
             <a:extLst>
               <a:ext uri="{FF2B5EF4-FFF2-40B4-BE49-F238E27FC236}">
-                <a16:creationId xmlns:a16="http://schemas.microsoft.com/office/drawing/2014/main" id="{74DF72E2-4C3B-3AD2-AB2C-F456743278A3}"/>
+                <a16:creationId xmlns:a16="http://schemas.microsoft.com/office/drawing/2014/main" id="{2DE3A171-E575-39E8-D73C-CB07F9771E59}"/>
               </a:ext>
             </a:extLst>
           </p:cNvPr>
@@ -990,7 +990,7 @@
           <p:cNvPr id="3" name="文本占位符 2">
             <a:extLst>
               <a:ext uri="{FF2B5EF4-FFF2-40B4-BE49-F238E27FC236}">
-                <a16:creationId xmlns:a16="http://schemas.microsoft.com/office/drawing/2014/main" id="{27CC4753-AB6C-71CA-5A63-516F91412ADC}"/>
+                <a16:creationId xmlns:a16="http://schemas.microsoft.com/office/drawing/2014/main" id="{4020479C-29CC-951E-1D40-8D54F625EEF9}"/>
               </a:ext>
             </a:extLst>
           </p:cNvPr>
@@ -1115,7 +1115,7 @@
           <p:cNvPr id="4" name="日期占位符 3">
             <a:extLst>
               <a:ext uri="{FF2B5EF4-FFF2-40B4-BE49-F238E27FC236}">
-                <a16:creationId xmlns:a16="http://schemas.microsoft.com/office/drawing/2014/main" id="{4B78A5A0-0360-CB21-067A-EC96E5FEDCDE}"/>
+                <a16:creationId xmlns:a16="http://schemas.microsoft.com/office/drawing/2014/main" id="{40B1E01B-053F-1FAE-8A8E-4D885DE1838E}"/>
               </a:ext>
             </a:extLst>
           </p:cNvPr>
@@ -1131,7 +1131,7 @@
           <a:bodyPr/>
           <a:lstStyle/>
           <a:p>
-            <a:fld id="{56FE3257-9725-458F-9F61-63294AC2B464}" type="datetimeFigureOut">
+            <a:fld id="{D115DD9F-3EA5-496A-B0DE-E508F7E9AF34}" type="datetimeFigureOut">
               <a:rPr lang="zh-CN" altLang="en-US" smtClean="0"/>
               <a:t>2024/3/10</a:t>
             </a:fld>
@@ -1144,7 +1144,7 @@
           <p:cNvPr id="5" name="页脚占位符 4">
             <a:extLst>
               <a:ext uri="{FF2B5EF4-FFF2-40B4-BE49-F238E27FC236}">
-                <a16:creationId xmlns:a16="http://schemas.microsoft.com/office/drawing/2014/main" id="{842FB3EC-D0B7-CC2A-6280-A33D83E932D4}"/>
+                <a16:creationId xmlns:a16="http://schemas.microsoft.com/office/drawing/2014/main" id="{91BF5E91-3516-921A-91E3-EF246E10933E}"/>
               </a:ext>
             </a:extLst>
           </p:cNvPr>
@@ -1169,7 +1169,7 @@
           <p:cNvPr id="6" name="灯片编号占位符 5">
             <a:extLst>
               <a:ext uri="{FF2B5EF4-FFF2-40B4-BE49-F238E27FC236}">
-                <a16:creationId xmlns:a16="http://schemas.microsoft.com/office/drawing/2014/main" id="{BED147AD-4FCB-5D8D-0D7D-859942668411}"/>
+                <a16:creationId xmlns:a16="http://schemas.microsoft.com/office/drawing/2014/main" id="{5ABB1729-53CA-FB0C-8F7A-09AC020F9AF7}"/>
               </a:ext>
             </a:extLst>
           </p:cNvPr>
@@ -1185,7 +1185,7 @@
           <a:bodyPr/>
           <a:lstStyle/>
           <a:p>
-            <a:fld id="{9132A416-BE46-4702-A909-6F4E2E5F9F72}" type="slidenum">
+            <a:fld id="{F81B583B-9787-4763-A9D0-CC5B3C7B3CFF}" type="slidenum">
               <a:rPr lang="zh-CN" altLang="en-US" smtClean="0"/>
               <a:t>‹#›</a:t>
             </a:fld>
@@ -1196,7 +1196,7 @@
     </p:spTree>
     <p:extLst>
       <p:ext uri="{BB962C8B-B14F-4D97-AF65-F5344CB8AC3E}">
-        <p14:creationId xmlns:p14="http://schemas.microsoft.com/office/powerpoint/2010/main" val="2649373961"/>
+        <p14:creationId xmlns:p14="http://schemas.microsoft.com/office/powerpoint/2010/main" val="947033109"/>
       </p:ext>
     </p:extLst>
   </p:cSld>
@@ -1228,7 +1228,7 @@
           <p:cNvPr id="2" name="标题 1">
             <a:extLst>
               <a:ext uri="{FF2B5EF4-FFF2-40B4-BE49-F238E27FC236}">
-                <a16:creationId xmlns:a16="http://schemas.microsoft.com/office/drawing/2014/main" id="{59951784-E921-C830-DFB2-9D5F89A6DED7}"/>
+                <a16:creationId xmlns:a16="http://schemas.microsoft.com/office/drawing/2014/main" id="{B78402C1-519F-D9EC-C4D4-FE5C7948850A}"/>
               </a:ext>
             </a:extLst>
           </p:cNvPr>
@@ -1256,7 +1256,7 @@
           <p:cNvPr id="3" name="内容占位符 2">
             <a:extLst>
               <a:ext uri="{FF2B5EF4-FFF2-40B4-BE49-F238E27FC236}">
-                <a16:creationId xmlns:a16="http://schemas.microsoft.com/office/drawing/2014/main" id="{C8241044-A77B-6085-5071-2B4C96E0AE3A}"/>
+                <a16:creationId xmlns:a16="http://schemas.microsoft.com/office/drawing/2014/main" id="{7451EBC0-96DF-201E-E747-58D9DEEC1178}"/>
               </a:ext>
             </a:extLst>
           </p:cNvPr>
@@ -1318,7 +1318,7 @@
           <p:cNvPr id="4" name="内容占位符 3">
             <a:extLst>
               <a:ext uri="{FF2B5EF4-FFF2-40B4-BE49-F238E27FC236}">
-                <a16:creationId xmlns:a16="http://schemas.microsoft.com/office/drawing/2014/main" id="{D2029821-125E-4529-4730-8C4BF0AF8441}"/>
+                <a16:creationId xmlns:a16="http://schemas.microsoft.com/office/drawing/2014/main" id="{CE9B83F0-754E-E217-FD71-B61C0557BEB3}"/>
               </a:ext>
             </a:extLst>
           </p:cNvPr>
@@ -1380,7 +1380,7 @@
           <p:cNvPr id="5" name="日期占位符 4">
             <a:extLst>
               <a:ext uri="{FF2B5EF4-FFF2-40B4-BE49-F238E27FC236}">
-                <a16:creationId xmlns:a16="http://schemas.microsoft.com/office/drawing/2014/main" id="{FFB32C75-6FA0-4FDE-9EEC-7E990E2018C7}"/>
+                <a16:creationId xmlns:a16="http://schemas.microsoft.com/office/drawing/2014/main" id="{2003A159-4338-3084-0D76-9300EDA4E2A1}"/>
               </a:ext>
             </a:extLst>
           </p:cNvPr>
@@ -1396,7 +1396,7 @@
           <a:bodyPr/>
           <a:lstStyle/>
           <a:p>
-            <a:fld id="{56FE3257-9725-458F-9F61-63294AC2B464}" type="datetimeFigureOut">
+            <a:fld id="{D115DD9F-3EA5-496A-B0DE-E508F7E9AF34}" type="datetimeFigureOut">
               <a:rPr lang="zh-CN" altLang="en-US" smtClean="0"/>
               <a:t>2024/3/10</a:t>
             </a:fld>
@@ -1409,7 +1409,7 @@
           <p:cNvPr id="6" name="页脚占位符 5">
             <a:extLst>
               <a:ext uri="{FF2B5EF4-FFF2-40B4-BE49-F238E27FC236}">
-                <a16:creationId xmlns:a16="http://schemas.microsoft.com/office/drawing/2014/main" id="{59B68570-F5EB-25C8-B961-7EE3C05964FD}"/>
+                <a16:creationId xmlns:a16="http://schemas.microsoft.com/office/drawing/2014/main" id="{A54E4712-B28B-9234-1014-08F3C436176A}"/>
               </a:ext>
             </a:extLst>
           </p:cNvPr>
@@ -1434,7 +1434,7 @@
           <p:cNvPr id="7" name="灯片编号占位符 6">
             <a:extLst>
               <a:ext uri="{FF2B5EF4-FFF2-40B4-BE49-F238E27FC236}">
-                <a16:creationId xmlns:a16="http://schemas.microsoft.com/office/drawing/2014/main" id="{00369C1A-FE68-55EE-9A8E-7FE402A6CDD1}"/>
+                <a16:creationId xmlns:a16="http://schemas.microsoft.com/office/drawing/2014/main" id="{93F921DD-A24B-29E3-8C0E-E1A4F9D299D8}"/>
               </a:ext>
             </a:extLst>
           </p:cNvPr>
@@ -1450,7 +1450,7 @@
           <a:bodyPr/>
           <a:lstStyle/>
           <a:p>
-            <a:fld id="{9132A416-BE46-4702-A909-6F4E2E5F9F72}" type="slidenum">
+            <a:fld id="{F81B583B-9787-4763-A9D0-CC5B3C7B3CFF}" type="slidenum">
               <a:rPr lang="zh-CN" altLang="en-US" smtClean="0"/>
               <a:t>‹#›</a:t>
             </a:fld>
@@ -1461,7 +1461,7 @@
     </p:spTree>
     <p:extLst>
       <p:ext uri="{BB962C8B-B14F-4D97-AF65-F5344CB8AC3E}">
-        <p14:creationId xmlns:p14="http://schemas.microsoft.com/office/powerpoint/2010/main" val="3022806411"/>
+        <p14:creationId xmlns:p14="http://schemas.microsoft.com/office/powerpoint/2010/main" val="910649474"/>
       </p:ext>
     </p:extLst>
   </p:cSld>
@@ -1493,7 +1493,7 @@
           <p:cNvPr id="2" name="标题 1">
             <a:extLst>
               <a:ext uri="{FF2B5EF4-FFF2-40B4-BE49-F238E27FC236}">
-                <a16:creationId xmlns:a16="http://schemas.microsoft.com/office/drawing/2014/main" id="{63CD1D33-B64D-10E8-43C7-88579653C775}"/>
+                <a16:creationId xmlns:a16="http://schemas.microsoft.com/office/drawing/2014/main" id="{7E355293-08B0-7E39-D401-7240B80B854E}"/>
               </a:ext>
             </a:extLst>
           </p:cNvPr>
@@ -1526,7 +1526,7 @@
           <p:cNvPr id="3" name="文本占位符 2">
             <a:extLst>
               <a:ext uri="{FF2B5EF4-FFF2-40B4-BE49-F238E27FC236}">
-                <a16:creationId xmlns:a16="http://schemas.microsoft.com/office/drawing/2014/main" id="{D74174AB-C512-C092-DF04-BEFBE168276D}"/>
+                <a16:creationId xmlns:a16="http://schemas.microsoft.com/office/drawing/2014/main" id="{BC9E330C-3AA9-5E89-6E1E-347CB5B81FD2}"/>
               </a:ext>
             </a:extLst>
           </p:cNvPr>
@@ -1597,7 +1597,7 @@
           <p:cNvPr id="4" name="内容占位符 3">
             <a:extLst>
               <a:ext uri="{FF2B5EF4-FFF2-40B4-BE49-F238E27FC236}">
-                <a16:creationId xmlns:a16="http://schemas.microsoft.com/office/drawing/2014/main" id="{D31B8284-7462-460E-AD4B-C2538730122A}"/>
+                <a16:creationId xmlns:a16="http://schemas.microsoft.com/office/drawing/2014/main" id="{0CD8E574-E0B4-73AF-B333-5521F546E8FC}"/>
               </a:ext>
             </a:extLst>
           </p:cNvPr>
@@ -1659,7 +1659,7 @@
           <p:cNvPr id="5" name="文本占位符 4">
             <a:extLst>
               <a:ext uri="{FF2B5EF4-FFF2-40B4-BE49-F238E27FC236}">
-                <a16:creationId xmlns:a16="http://schemas.microsoft.com/office/drawing/2014/main" id="{78C380FC-83E8-DF74-B2C9-5AE8B560CBAD}"/>
+                <a16:creationId xmlns:a16="http://schemas.microsoft.com/office/drawing/2014/main" id="{F395C8F4-BD4D-521D-368F-9920CB0A9B93}"/>
               </a:ext>
             </a:extLst>
           </p:cNvPr>
@@ -1730,7 +1730,7 @@
           <p:cNvPr id="6" name="内容占位符 5">
             <a:extLst>
               <a:ext uri="{FF2B5EF4-FFF2-40B4-BE49-F238E27FC236}">
-                <a16:creationId xmlns:a16="http://schemas.microsoft.com/office/drawing/2014/main" id="{FE6B5CDC-DF4B-FF25-29DC-045B97D16EDC}"/>
+                <a16:creationId xmlns:a16="http://schemas.microsoft.com/office/drawing/2014/main" id="{B7FE0DC9-C534-4773-268B-B44D6621310B}"/>
               </a:ext>
             </a:extLst>
           </p:cNvPr>
@@ -1792,7 +1792,7 @@
           <p:cNvPr id="7" name="日期占位符 6">
             <a:extLst>
               <a:ext uri="{FF2B5EF4-FFF2-40B4-BE49-F238E27FC236}">
-                <a16:creationId xmlns:a16="http://schemas.microsoft.com/office/drawing/2014/main" id="{A75B1B56-B2A0-F1C0-796A-D6D1B48343AE}"/>
+                <a16:creationId xmlns:a16="http://schemas.microsoft.com/office/drawing/2014/main" id="{B83CB92E-3240-56E1-83F6-4B3BC126DAE9}"/>
               </a:ext>
             </a:extLst>
           </p:cNvPr>
@@ -1808,7 +1808,7 @@
           <a:bodyPr/>
           <a:lstStyle/>
           <a:p>
-            <a:fld id="{56FE3257-9725-458F-9F61-63294AC2B464}" type="datetimeFigureOut">
+            <a:fld id="{D115DD9F-3EA5-496A-B0DE-E508F7E9AF34}" type="datetimeFigureOut">
               <a:rPr lang="zh-CN" altLang="en-US" smtClean="0"/>
               <a:t>2024/3/10</a:t>
             </a:fld>
@@ -1821,7 +1821,7 @@
           <p:cNvPr id="8" name="页脚占位符 7">
             <a:extLst>
               <a:ext uri="{FF2B5EF4-FFF2-40B4-BE49-F238E27FC236}">
-                <a16:creationId xmlns:a16="http://schemas.microsoft.com/office/drawing/2014/main" id="{1BF04818-9B2D-22D4-A1FE-58CE4F38264F}"/>
+                <a16:creationId xmlns:a16="http://schemas.microsoft.com/office/drawing/2014/main" id="{D0B2F586-FB64-29F5-6FB7-BD243BDA53BA}"/>
               </a:ext>
             </a:extLst>
           </p:cNvPr>
@@ -1846,7 +1846,7 @@
           <p:cNvPr id="9" name="灯片编号占位符 8">
             <a:extLst>
               <a:ext uri="{FF2B5EF4-FFF2-40B4-BE49-F238E27FC236}">
-                <a16:creationId xmlns:a16="http://schemas.microsoft.com/office/drawing/2014/main" id="{4412D8F6-3547-ECC9-5078-89E902B3669A}"/>
+                <a16:creationId xmlns:a16="http://schemas.microsoft.com/office/drawing/2014/main" id="{33164DA0-0BFD-BD22-6EC5-D5538FE17906}"/>
               </a:ext>
             </a:extLst>
           </p:cNvPr>
@@ -1862,7 +1862,7 @@
           <a:bodyPr/>
           <a:lstStyle/>
           <a:p>
-            <a:fld id="{9132A416-BE46-4702-A909-6F4E2E5F9F72}" type="slidenum">
+            <a:fld id="{F81B583B-9787-4763-A9D0-CC5B3C7B3CFF}" type="slidenum">
               <a:rPr lang="zh-CN" altLang="en-US" smtClean="0"/>
               <a:t>‹#›</a:t>
             </a:fld>
@@ -1873,7 +1873,7 @@
     </p:spTree>
     <p:extLst>
       <p:ext uri="{BB962C8B-B14F-4D97-AF65-F5344CB8AC3E}">
-        <p14:creationId xmlns:p14="http://schemas.microsoft.com/office/powerpoint/2010/main" val="3775287135"/>
+        <p14:creationId xmlns:p14="http://schemas.microsoft.com/office/powerpoint/2010/main" val="3619515273"/>
       </p:ext>
     </p:extLst>
   </p:cSld>
@@ -1905,7 +1905,7 @@
           <p:cNvPr id="2" name="标题 1">
             <a:extLst>
               <a:ext uri="{FF2B5EF4-FFF2-40B4-BE49-F238E27FC236}">
-                <a16:creationId xmlns:a16="http://schemas.microsoft.com/office/drawing/2014/main" id="{F841E9DC-43C3-5264-DA57-2FC4BFD2AE50}"/>
+                <a16:creationId xmlns:a16="http://schemas.microsoft.com/office/drawing/2014/main" id="{9A524DEC-DA54-BEE5-2769-A9ABB4ED97CE}"/>
               </a:ext>
             </a:extLst>
           </p:cNvPr>
@@ -1933,7 +1933,7 @@
           <p:cNvPr id="3" name="日期占位符 2">
             <a:extLst>
               <a:ext uri="{FF2B5EF4-FFF2-40B4-BE49-F238E27FC236}">
-                <a16:creationId xmlns:a16="http://schemas.microsoft.com/office/drawing/2014/main" id="{C66856A9-E57F-04CF-95B4-D2187D928C71}"/>
+                <a16:creationId xmlns:a16="http://schemas.microsoft.com/office/drawing/2014/main" id="{A4564227-AC1C-24F0-81DD-2565F8F81F77}"/>
               </a:ext>
             </a:extLst>
           </p:cNvPr>
@@ -1949,7 +1949,7 @@
           <a:bodyPr/>
           <a:lstStyle/>
           <a:p>
-            <a:fld id="{56FE3257-9725-458F-9F61-63294AC2B464}" type="datetimeFigureOut">
+            <a:fld id="{D115DD9F-3EA5-496A-B0DE-E508F7E9AF34}" type="datetimeFigureOut">
               <a:rPr lang="zh-CN" altLang="en-US" smtClean="0"/>
               <a:t>2024/3/10</a:t>
             </a:fld>
@@ -1962,7 +1962,7 @@
           <p:cNvPr id="4" name="页脚占位符 3">
             <a:extLst>
               <a:ext uri="{FF2B5EF4-FFF2-40B4-BE49-F238E27FC236}">
-                <a16:creationId xmlns:a16="http://schemas.microsoft.com/office/drawing/2014/main" id="{082C165A-450D-2359-BAB0-F17C12428626}"/>
+                <a16:creationId xmlns:a16="http://schemas.microsoft.com/office/drawing/2014/main" id="{B249C6BA-40BC-4C90-71D4-AE38D94BA05D}"/>
               </a:ext>
             </a:extLst>
           </p:cNvPr>
@@ -1987,7 +1987,7 @@
           <p:cNvPr id="5" name="灯片编号占位符 4">
             <a:extLst>
               <a:ext uri="{FF2B5EF4-FFF2-40B4-BE49-F238E27FC236}">
-                <a16:creationId xmlns:a16="http://schemas.microsoft.com/office/drawing/2014/main" id="{6F11AB01-B1A5-B54D-4B27-75A60500D266}"/>
+                <a16:creationId xmlns:a16="http://schemas.microsoft.com/office/drawing/2014/main" id="{FBA51825-AC36-7029-1C42-3E7975C24B6E}"/>
               </a:ext>
             </a:extLst>
           </p:cNvPr>
@@ -2003,7 +2003,7 @@
           <a:bodyPr/>
           <a:lstStyle/>
           <a:p>
-            <a:fld id="{9132A416-BE46-4702-A909-6F4E2E5F9F72}" type="slidenum">
+            <a:fld id="{F81B583B-9787-4763-A9D0-CC5B3C7B3CFF}" type="slidenum">
               <a:rPr lang="zh-CN" altLang="en-US" smtClean="0"/>
               <a:t>‹#›</a:t>
             </a:fld>
@@ -2014,7 +2014,7 @@
     </p:spTree>
     <p:extLst>
       <p:ext uri="{BB962C8B-B14F-4D97-AF65-F5344CB8AC3E}">
-        <p14:creationId xmlns:p14="http://schemas.microsoft.com/office/powerpoint/2010/main" val="3688850540"/>
+        <p14:creationId xmlns:p14="http://schemas.microsoft.com/office/powerpoint/2010/main" val="241719362"/>
       </p:ext>
     </p:extLst>
   </p:cSld>
@@ -2046,7 +2046,7 @@
           <p:cNvPr id="2" name="日期占位符 1">
             <a:extLst>
               <a:ext uri="{FF2B5EF4-FFF2-40B4-BE49-F238E27FC236}">
-                <a16:creationId xmlns:a16="http://schemas.microsoft.com/office/drawing/2014/main" id="{DA46E67B-14A8-E667-85BA-8B14E54AA9EE}"/>
+                <a16:creationId xmlns:a16="http://schemas.microsoft.com/office/drawing/2014/main" id="{66D60988-1FFD-49AD-0231-923C0F198703}"/>
               </a:ext>
             </a:extLst>
           </p:cNvPr>
@@ -2062,7 +2062,7 @@
           <a:bodyPr/>
           <a:lstStyle/>
           <a:p>
-            <a:fld id="{56FE3257-9725-458F-9F61-63294AC2B464}" type="datetimeFigureOut">
+            <a:fld id="{D115DD9F-3EA5-496A-B0DE-E508F7E9AF34}" type="datetimeFigureOut">
               <a:rPr lang="zh-CN" altLang="en-US" smtClean="0"/>
               <a:t>2024/3/10</a:t>
             </a:fld>
@@ -2075,7 +2075,7 @@
           <p:cNvPr id="3" name="页脚占位符 2">
             <a:extLst>
               <a:ext uri="{FF2B5EF4-FFF2-40B4-BE49-F238E27FC236}">
-                <a16:creationId xmlns:a16="http://schemas.microsoft.com/office/drawing/2014/main" id="{785D181C-BCD9-D2D2-9D50-5693274352D6}"/>
+                <a16:creationId xmlns:a16="http://schemas.microsoft.com/office/drawing/2014/main" id="{186FA605-B0C1-C924-A0C4-7B26295BED9A}"/>
               </a:ext>
             </a:extLst>
           </p:cNvPr>
@@ -2100,7 +2100,7 @@
           <p:cNvPr id="4" name="灯片编号占位符 3">
             <a:extLst>
               <a:ext uri="{FF2B5EF4-FFF2-40B4-BE49-F238E27FC236}">
-                <a16:creationId xmlns:a16="http://schemas.microsoft.com/office/drawing/2014/main" id="{57968242-1E8A-2BBE-317C-AAF232ACF6E2}"/>
+                <a16:creationId xmlns:a16="http://schemas.microsoft.com/office/drawing/2014/main" id="{8D463157-4648-8239-F77D-2AB175AC6C7D}"/>
               </a:ext>
             </a:extLst>
           </p:cNvPr>
@@ -2116,7 +2116,7 @@
           <a:bodyPr/>
           <a:lstStyle/>
           <a:p>
-            <a:fld id="{9132A416-BE46-4702-A909-6F4E2E5F9F72}" type="slidenum">
+            <a:fld id="{F81B583B-9787-4763-A9D0-CC5B3C7B3CFF}" type="slidenum">
               <a:rPr lang="zh-CN" altLang="en-US" smtClean="0"/>
               <a:t>‹#›</a:t>
             </a:fld>
@@ -2127,7 +2127,7 @@
     </p:spTree>
     <p:extLst>
       <p:ext uri="{BB962C8B-B14F-4D97-AF65-F5344CB8AC3E}">
-        <p14:creationId xmlns:p14="http://schemas.microsoft.com/office/powerpoint/2010/main" val="647200818"/>
+        <p14:creationId xmlns:p14="http://schemas.microsoft.com/office/powerpoint/2010/main" val="561306888"/>
       </p:ext>
     </p:extLst>
   </p:cSld>
@@ -2159,7 +2159,7 @@
           <p:cNvPr id="2" name="标题 1">
             <a:extLst>
               <a:ext uri="{FF2B5EF4-FFF2-40B4-BE49-F238E27FC236}">
-                <a16:creationId xmlns:a16="http://schemas.microsoft.com/office/drawing/2014/main" id="{4F8CC2B9-ED96-762F-D679-C78F8F4F98E6}"/>
+                <a16:creationId xmlns:a16="http://schemas.microsoft.com/office/drawing/2014/main" id="{2E619B7B-B3FF-E842-D92B-0C22E9EB5546}"/>
               </a:ext>
             </a:extLst>
           </p:cNvPr>
@@ -2196,7 +2196,7 @@
           <p:cNvPr id="3" name="内容占位符 2">
             <a:extLst>
               <a:ext uri="{FF2B5EF4-FFF2-40B4-BE49-F238E27FC236}">
-                <a16:creationId xmlns:a16="http://schemas.microsoft.com/office/drawing/2014/main" id="{B9EEAD66-A49B-4BC0-2571-FCD39C5C1163}"/>
+                <a16:creationId xmlns:a16="http://schemas.microsoft.com/office/drawing/2014/main" id="{680AE351-00A7-E868-4A5A-AD9C145E1AEC}"/>
               </a:ext>
             </a:extLst>
           </p:cNvPr>
@@ -2286,7 +2286,7 @@
           <p:cNvPr id="4" name="文本占位符 3">
             <a:extLst>
               <a:ext uri="{FF2B5EF4-FFF2-40B4-BE49-F238E27FC236}">
-                <a16:creationId xmlns:a16="http://schemas.microsoft.com/office/drawing/2014/main" id="{DD6F9CD4-4F0A-90D8-315E-B317D9A527DD}"/>
+                <a16:creationId xmlns:a16="http://schemas.microsoft.com/office/drawing/2014/main" id="{D59DDFB6-E1A5-5864-A8EF-3EBE06393695}"/>
               </a:ext>
             </a:extLst>
           </p:cNvPr>
@@ -2357,7 +2357,7 @@
           <p:cNvPr id="5" name="日期占位符 4">
             <a:extLst>
               <a:ext uri="{FF2B5EF4-FFF2-40B4-BE49-F238E27FC236}">
-                <a16:creationId xmlns:a16="http://schemas.microsoft.com/office/drawing/2014/main" id="{BB7EEDEC-BFC0-C631-99E3-1F552A24B685}"/>
+                <a16:creationId xmlns:a16="http://schemas.microsoft.com/office/drawing/2014/main" id="{9191DF9E-1762-1B36-912B-233FCD6D8E72}"/>
               </a:ext>
             </a:extLst>
           </p:cNvPr>
@@ -2373,7 +2373,7 @@
           <a:bodyPr/>
           <a:lstStyle/>
           <a:p>
-            <a:fld id="{56FE3257-9725-458F-9F61-63294AC2B464}" type="datetimeFigureOut">
+            <a:fld id="{D115DD9F-3EA5-496A-B0DE-E508F7E9AF34}" type="datetimeFigureOut">
               <a:rPr lang="zh-CN" altLang="en-US" smtClean="0"/>
               <a:t>2024/3/10</a:t>
             </a:fld>
@@ -2386,7 +2386,7 @@
           <p:cNvPr id="6" name="页脚占位符 5">
             <a:extLst>
               <a:ext uri="{FF2B5EF4-FFF2-40B4-BE49-F238E27FC236}">
-                <a16:creationId xmlns:a16="http://schemas.microsoft.com/office/drawing/2014/main" id="{5F7FAE03-6F5E-88D6-41FD-1F4927E4B21C}"/>
+                <a16:creationId xmlns:a16="http://schemas.microsoft.com/office/drawing/2014/main" id="{EAF36FC8-8B2B-BB1C-FB35-19A35FAE0284}"/>
               </a:ext>
             </a:extLst>
           </p:cNvPr>
@@ -2411,7 +2411,7 @@
           <p:cNvPr id="7" name="灯片编号占位符 6">
             <a:extLst>
               <a:ext uri="{FF2B5EF4-FFF2-40B4-BE49-F238E27FC236}">
-                <a16:creationId xmlns:a16="http://schemas.microsoft.com/office/drawing/2014/main" id="{8FC44EF5-90A4-4ED8-8B67-E5F34043A7A5}"/>
+                <a16:creationId xmlns:a16="http://schemas.microsoft.com/office/drawing/2014/main" id="{809742B5-A315-8B80-9076-8DD6E741599C}"/>
               </a:ext>
             </a:extLst>
           </p:cNvPr>
@@ -2427,7 +2427,7 @@
           <a:bodyPr/>
           <a:lstStyle/>
           <a:p>
-            <a:fld id="{9132A416-BE46-4702-A909-6F4E2E5F9F72}" type="slidenum">
+            <a:fld id="{F81B583B-9787-4763-A9D0-CC5B3C7B3CFF}" type="slidenum">
               <a:rPr lang="zh-CN" altLang="en-US" smtClean="0"/>
               <a:t>‹#›</a:t>
             </a:fld>
@@ -2438,7 +2438,7 @@
     </p:spTree>
     <p:extLst>
       <p:ext uri="{BB962C8B-B14F-4D97-AF65-F5344CB8AC3E}">
-        <p14:creationId xmlns:p14="http://schemas.microsoft.com/office/powerpoint/2010/main" val="3980617402"/>
+        <p14:creationId xmlns:p14="http://schemas.microsoft.com/office/powerpoint/2010/main" val="1628565544"/>
       </p:ext>
     </p:extLst>
   </p:cSld>
@@ -2470,7 +2470,7 @@
           <p:cNvPr id="2" name="标题 1">
             <a:extLst>
               <a:ext uri="{FF2B5EF4-FFF2-40B4-BE49-F238E27FC236}">
-                <a16:creationId xmlns:a16="http://schemas.microsoft.com/office/drawing/2014/main" id="{09A9E669-E710-1D5D-33F1-2E280E9F1E87}"/>
+                <a16:creationId xmlns:a16="http://schemas.microsoft.com/office/drawing/2014/main" id="{FB435A72-3F37-B35D-196E-3AF94C0EB0A3}"/>
               </a:ext>
             </a:extLst>
           </p:cNvPr>
@@ -2507,7 +2507,7 @@
           <p:cNvPr id="3" name="图片占位符 2">
             <a:extLst>
               <a:ext uri="{FF2B5EF4-FFF2-40B4-BE49-F238E27FC236}">
-                <a16:creationId xmlns:a16="http://schemas.microsoft.com/office/drawing/2014/main" id="{4AA4BFED-E81A-C490-B6B9-89212675B64A}"/>
+                <a16:creationId xmlns:a16="http://schemas.microsoft.com/office/drawing/2014/main" id="{D5997099-118D-798B-DDF7-423FEFDAFB57}"/>
               </a:ext>
             </a:extLst>
           </p:cNvPr>
@@ -2574,7 +2574,7 @@
           <p:cNvPr id="4" name="文本占位符 3">
             <a:extLst>
               <a:ext uri="{FF2B5EF4-FFF2-40B4-BE49-F238E27FC236}">
-                <a16:creationId xmlns:a16="http://schemas.microsoft.com/office/drawing/2014/main" id="{14966A12-959A-9185-C466-FED305B61DCB}"/>
+                <a16:creationId xmlns:a16="http://schemas.microsoft.com/office/drawing/2014/main" id="{C0AFF920-2734-2942-5456-78DD38CDB7A2}"/>
               </a:ext>
             </a:extLst>
           </p:cNvPr>
@@ -2645,7 +2645,7 @@
           <p:cNvPr id="5" name="日期占位符 4">
             <a:extLst>
               <a:ext uri="{FF2B5EF4-FFF2-40B4-BE49-F238E27FC236}">
-                <a16:creationId xmlns:a16="http://schemas.microsoft.com/office/drawing/2014/main" id="{269B8BA4-D266-8CD8-D1F6-A859D2356EDD}"/>
+                <a16:creationId xmlns:a16="http://schemas.microsoft.com/office/drawing/2014/main" id="{21A11EF6-BF10-DA25-40A5-AE98F9E759C5}"/>
               </a:ext>
             </a:extLst>
           </p:cNvPr>
@@ -2661,7 +2661,7 @@
           <a:bodyPr/>
           <a:lstStyle/>
           <a:p>
-            <a:fld id="{56FE3257-9725-458F-9F61-63294AC2B464}" type="datetimeFigureOut">
+            <a:fld id="{D115DD9F-3EA5-496A-B0DE-E508F7E9AF34}" type="datetimeFigureOut">
               <a:rPr lang="zh-CN" altLang="en-US" smtClean="0"/>
               <a:t>2024/3/10</a:t>
             </a:fld>
@@ -2674,7 +2674,7 @@
           <p:cNvPr id="6" name="页脚占位符 5">
             <a:extLst>
               <a:ext uri="{FF2B5EF4-FFF2-40B4-BE49-F238E27FC236}">
-                <a16:creationId xmlns:a16="http://schemas.microsoft.com/office/drawing/2014/main" id="{EC062B38-8B47-56EC-B424-5D929713380E}"/>
+                <a16:creationId xmlns:a16="http://schemas.microsoft.com/office/drawing/2014/main" id="{EBD45CF7-543B-8CA4-1CC8-DC3559A497C3}"/>
               </a:ext>
             </a:extLst>
           </p:cNvPr>
@@ -2699,7 +2699,7 @@
           <p:cNvPr id="7" name="灯片编号占位符 6">
             <a:extLst>
               <a:ext uri="{FF2B5EF4-FFF2-40B4-BE49-F238E27FC236}">
-                <a16:creationId xmlns:a16="http://schemas.microsoft.com/office/drawing/2014/main" id="{3609B4B2-A648-7A23-A995-B0BA75ED2546}"/>
+                <a16:creationId xmlns:a16="http://schemas.microsoft.com/office/drawing/2014/main" id="{93892729-77F8-37FB-F965-8044E056E8BD}"/>
               </a:ext>
             </a:extLst>
           </p:cNvPr>
@@ -2715,7 +2715,7 @@
           <a:bodyPr/>
           <a:lstStyle/>
           <a:p>
-            <a:fld id="{9132A416-BE46-4702-A909-6F4E2E5F9F72}" type="slidenum">
+            <a:fld id="{F81B583B-9787-4763-A9D0-CC5B3C7B3CFF}" type="slidenum">
               <a:rPr lang="zh-CN" altLang="en-US" smtClean="0"/>
               <a:t>‹#›</a:t>
             </a:fld>
@@ -2726,7 +2726,7 @@
     </p:spTree>
     <p:extLst>
       <p:ext uri="{BB962C8B-B14F-4D97-AF65-F5344CB8AC3E}">
-        <p14:creationId xmlns:p14="http://schemas.microsoft.com/office/powerpoint/2010/main" val="174009983"/>
+        <p14:creationId xmlns:p14="http://schemas.microsoft.com/office/powerpoint/2010/main" val="2758093011"/>
       </p:ext>
     </p:extLst>
   </p:cSld>
@@ -2763,7 +2763,7 @@
           <p:cNvPr id="2" name="标题占位符 1">
             <a:extLst>
               <a:ext uri="{FF2B5EF4-FFF2-40B4-BE49-F238E27FC236}">
-                <a16:creationId xmlns:a16="http://schemas.microsoft.com/office/drawing/2014/main" id="{AE168475-0A8E-848C-B827-4EC2AEE76CC0}"/>
+                <a16:creationId xmlns:a16="http://schemas.microsoft.com/office/drawing/2014/main" id="{AF9CDB7F-C183-C285-0E51-3F82A7EC36A1}"/>
               </a:ext>
             </a:extLst>
           </p:cNvPr>
@@ -2801,7 +2801,7 @@
           <p:cNvPr id="3" name="文本占位符 2">
             <a:extLst>
               <a:ext uri="{FF2B5EF4-FFF2-40B4-BE49-F238E27FC236}">
-                <a16:creationId xmlns:a16="http://schemas.microsoft.com/office/drawing/2014/main" id="{1C105F05-208F-295D-E480-90C047B9FCA1}"/>
+                <a16:creationId xmlns:a16="http://schemas.microsoft.com/office/drawing/2014/main" id="{6F0B34EE-34BE-100D-EBEA-EFC161F98646}"/>
               </a:ext>
             </a:extLst>
           </p:cNvPr>
@@ -2868,7 +2868,7 @@
           <p:cNvPr id="4" name="日期占位符 3">
             <a:extLst>
               <a:ext uri="{FF2B5EF4-FFF2-40B4-BE49-F238E27FC236}">
-                <a16:creationId xmlns:a16="http://schemas.microsoft.com/office/drawing/2014/main" id="{4677B0E1-AA96-58D3-EE91-31E79EF99DC1}"/>
+                <a16:creationId xmlns:a16="http://schemas.microsoft.com/office/drawing/2014/main" id="{3416AC3A-E5E5-D307-6719-A2EA5B02E9C2}"/>
               </a:ext>
             </a:extLst>
           </p:cNvPr>
@@ -2902,7 +2902,7 @@
             </a:lvl1pPr>
           </a:lstStyle>
           <a:p>
-            <a:fld id="{56FE3257-9725-458F-9F61-63294AC2B464}" type="datetimeFigureOut">
+            <a:fld id="{D115DD9F-3EA5-496A-B0DE-E508F7E9AF34}" type="datetimeFigureOut">
               <a:rPr lang="zh-CN" altLang="en-US" smtClean="0"/>
               <a:t>2024/3/10</a:t>
             </a:fld>
@@ -2915,7 +2915,7 @@
           <p:cNvPr id="5" name="页脚占位符 4">
             <a:extLst>
               <a:ext uri="{FF2B5EF4-FFF2-40B4-BE49-F238E27FC236}">
-                <a16:creationId xmlns:a16="http://schemas.microsoft.com/office/drawing/2014/main" id="{3A92A15B-4CEA-E024-35CD-77B91E4A03B3}"/>
+                <a16:creationId xmlns:a16="http://schemas.microsoft.com/office/drawing/2014/main" id="{60332E9F-37DB-4899-1B78-ABDE5640A960}"/>
               </a:ext>
             </a:extLst>
           </p:cNvPr>
@@ -2958,7 +2958,7 @@
           <p:cNvPr id="6" name="灯片编号占位符 5">
             <a:extLst>
               <a:ext uri="{FF2B5EF4-FFF2-40B4-BE49-F238E27FC236}">
-                <a16:creationId xmlns:a16="http://schemas.microsoft.com/office/drawing/2014/main" id="{81476BB6-FCD2-9149-4F1F-EA1F64872232}"/>
+                <a16:creationId xmlns:a16="http://schemas.microsoft.com/office/drawing/2014/main" id="{07AE5C7E-10E1-8DC2-8FB4-4CA442A2D1BB}"/>
               </a:ext>
             </a:extLst>
           </p:cNvPr>
@@ -2992,7 +2992,7 @@
             </a:lvl1pPr>
           </a:lstStyle>
           <a:p>
-            <a:fld id="{9132A416-BE46-4702-A909-6F4E2E5F9F72}" type="slidenum">
+            <a:fld id="{F81B583B-9787-4763-A9D0-CC5B3C7B3CFF}" type="slidenum">
               <a:rPr lang="zh-CN" altLang="en-US" smtClean="0"/>
               <a:t>‹#›</a:t>
             </a:fld>
@@ -3003,7 +3003,7 @@
     </p:spTree>
     <p:extLst>
       <p:ext uri="{BB962C8B-B14F-4D97-AF65-F5344CB8AC3E}">
-        <p14:creationId xmlns:p14="http://schemas.microsoft.com/office/powerpoint/2010/main" val="336355102"/>
+        <p14:creationId xmlns:p14="http://schemas.microsoft.com/office/powerpoint/2010/main" val="2876285178"/>
       </p:ext>
     </p:extLst>
   </p:cSld>
@@ -3323,7 +3323,7 @@
       </p:grpSpPr>
       <p:pic>
         <p:nvPicPr>
-          <p:cNvPr id="405506" name="Picture 2" descr="395"/>
+          <p:cNvPr id="406530" name="Picture 2" descr="396"/>
           <p:cNvPicPr>
             <a:picLocks noChangeAspect="1" noChangeArrowheads="1"/>
           </p:cNvPicPr>
